--- a/icons.pptx
+++ b/icons.pptx
@@ -244,7 +244,7 @@
           <a:p>
             <a:fld id="{9A2BE455-E8D0-4C4B-98A5-80B321B7C859}" type="datetimeFigureOut">
               <a:rPr lang="en-US" smtClean="0"/>
-              <a:t>1/3/2019</a:t>
+              <a:t>3/29/2019</a:t>
             </a:fld>
             <a:endParaRPr lang="en-US"/>
           </a:p>
@@ -414,7 +414,7 @@
           <a:p>
             <a:fld id="{9A2BE455-E8D0-4C4B-98A5-80B321B7C859}" type="datetimeFigureOut">
               <a:rPr lang="en-US" smtClean="0"/>
-              <a:t>1/3/2019</a:t>
+              <a:t>3/29/2019</a:t>
             </a:fld>
             <a:endParaRPr lang="en-US"/>
           </a:p>
@@ -594,7 +594,7 @@
           <a:p>
             <a:fld id="{9A2BE455-E8D0-4C4B-98A5-80B321B7C859}" type="datetimeFigureOut">
               <a:rPr lang="en-US" smtClean="0"/>
-              <a:t>1/3/2019</a:t>
+              <a:t>3/29/2019</a:t>
             </a:fld>
             <a:endParaRPr lang="en-US"/>
           </a:p>
@@ -764,7 +764,7 @@
           <a:p>
             <a:fld id="{9A2BE455-E8D0-4C4B-98A5-80B321B7C859}" type="datetimeFigureOut">
               <a:rPr lang="en-US" smtClean="0"/>
-              <a:t>1/3/2019</a:t>
+              <a:t>3/29/2019</a:t>
             </a:fld>
             <a:endParaRPr lang="en-US"/>
           </a:p>
@@ -1010,7 +1010,7 @@
           <a:p>
             <a:fld id="{9A2BE455-E8D0-4C4B-98A5-80B321B7C859}" type="datetimeFigureOut">
               <a:rPr lang="en-US" smtClean="0"/>
-              <a:t>1/3/2019</a:t>
+              <a:t>3/29/2019</a:t>
             </a:fld>
             <a:endParaRPr lang="en-US"/>
           </a:p>
@@ -1242,7 +1242,7 @@
           <a:p>
             <a:fld id="{9A2BE455-E8D0-4C4B-98A5-80B321B7C859}" type="datetimeFigureOut">
               <a:rPr lang="en-US" smtClean="0"/>
-              <a:t>1/3/2019</a:t>
+              <a:t>3/29/2019</a:t>
             </a:fld>
             <a:endParaRPr lang="en-US"/>
           </a:p>
@@ -1609,7 +1609,7 @@
           <a:p>
             <a:fld id="{9A2BE455-E8D0-4C4B-98A5-80B321B7C859}" type="datetimeFigureOut">
               <a:rPr lang="en-US" smtClean="0"/>
-              <a:t>1/3/2019</a:t>
+              <a:t>3/29/2019</a:t>
             </a:fld>
             <a:endParaRPr lang="en-US"/>
           </a:p>
@@ -1727,7 +1727,7 @@
           <a:p>
             <a:fld id="{9A2BE455-E8D0-4C4B-98A5-80B321B7C859}" type="datetimeFigureOut">
               <a:rPr lang="en-US" smtClean="0"/>
-              <a:t>1/3/2019</a:t>
+              <a:t>3/29/2019</a:t>
             </a:fld>
             <a:endParaRPr lang="en-US"/>
           </a:p>
@@ -1822,7 +1822,7 @@
           <a:p>
             <a:fld id="{9A2BE455-E8D0-4C4B-98A5-80B321B7C859}" type="datetimeFigureOut">
               <a:rPr lang="en-US" smtClean="0"/>
-              <a:t>1/3/2019</a:t>
+              <a:t>3/29/2019</a:t>
             </a:fld>
             <a:endParaRPr lang="en-US"/>
           </a:p>
@@ -2099,7 +2099,7 @@
           <a:p>
             <a:fld id="{9A2BE455-E8D0-4C4B-98A5-80B321B7C859}" type="datetimeFigureOut">
               <a:rPr lang="en-US" smtClean="0"/>
-              <a:t>1/3/2019</a:t>
+              <a:t>3/29/2019</a:t>
             </a:fld>
             <a:endParaRPr lang="en-US"/>
           </a:p>
@@ -2352,7 +2352,7 @@
           <a:p>
             <a:fld id="{9A2BE455-E8D0-4C4B-98A5-80B321B7C859}" type="datetimeFigureOut">
               <a:rPr lang="en-US" smtClean="0"/>
-              <a:t>1/3/2019</a:t>
+              <a:t>3/29/2019</a:t>
             </a:fld>
             <a:endParaRPr lang="en-US"/>
           </a:p>
@@ -2565,7 +2565,7 @@
           <a:p>
             <a:fld id="{9A2BE455-E8D0-4C4B-98A5-80B321B7C859}" type="datetimeFigureOut">
               <a:rPr lang="en-US" smtClean="0"/>
-              <a:t>1/3/2019</a:t>
+              <a:t>3/29/2019</a:t>
             </a:fld>
             <a:endParaRPr lang="en-US"/>
           </a:p>
@@ -2978,6 +2978,372 @@
           <a:chExt cx="0" cy="0"/>
         </a:xfrm>
       </p:grpSpPr>
+      <p:sp>
+        <p:nvSpPr>
+          <p:cNvPr id="30" name="Flowchart: Internal Storage 29"/>
+          <p:cNvSpPr/>
+          <p:nvPr/>
+        </p:nvSpPr>
+        <p:spPr>
+          <a:xfrm>
+            <a:off x="1161579" y="2618793"/>
+            <a:ext cx="238596" cy="219657"/>
+          </a:xfrm>
+          <a:prstGeom prst="flowChartInternalStorage">
+            <a:avLst/>
+          </a:prstGeom>
+          <a:solidFill>
+            <a:srgbClr val="E1E1E1"/>
+          </a:solidFill>
+          <a:ln w="3175">
+            <a:solidFill>
+              <a:srgbClr val="E1E1E1"/>
+            </a:solidFill>
+          </a:ln>
+        </p:spPr>
+        <p:style>
+          <a:lnRef idx="2">
+            <a:schemeClr val="accent1">
+              <a:shade val="50000"/>
+            </a:schemeClr>
+          </a:lnRef>
+          <a:fillRef idx="1">
+            <a:schemeClr val="accent1"/>
+          </a:fillRef>
+          <a:effectRef idx="0">
+            <a:schemeClr val="accent1"/>
+          </a:effectRef>
+          <a:fontRef idx="minor">
+            <a:schemeClr val="lt1"/>
+          </a:fontRef>
+        </p:style>
+        <p:txBody>
+          <a:bodyPr rtlCol="0" anchor="ctr"/>
+          <a:lstStyle/>
+          <a:p>
+            <a:pPr algn="ctr"/>
+            <a:endParaRPr lang="en-US" sz="900" b="1" dirty="0">
+              <a:ln w="12700">
+                <a:solidFill>
+                  <a:schemeClr val="accent1"/>
+                </a:solidFill>
+                <a:prstDash val="solid"/>
+              </a:ln>
+              <a:pattFill prst="pct50">
+                <a:fgClr>
+                  <a:schemeClr val="accent1"/>
+                </a:fgClr>
+                <a:bgClr>
+                  <a:schemeClr val="accent1">
+                    <a:lumMod val="20000"/>
+                    <a:lumOff val="80000"/>
+                  </a:schemeClr>
+                </a:bgClr>
+              </a:pattFill>
+              <a:effectLst>
+                <a:outerShdw dist="38100" dir="2640000" algn="bl" rotWithShape="0">
+                  <a:schemeClr val="accent1"/>
+                </a:outerShdw>
+              </a:effectLst>
+            </a:endParaRPr>
+          </a:p>
+        </p:txBody>
+      </p:sp>
+      <p:sp>
+        <p:nvSpPr>
+          <p:cNvPr id="33" name="Freeform 32"/>
+          <p:cNvSpPr/>
+          <p:nvPr/>
+        </p:nvSpPr>
+        <p:spPr>
+          <a:xfrm>
+            <a:off x="1183481" y="2645569"/>
+            <a:ext cx="200025" cy="159544"/>
+          </a:xfrm>
+          <a:custGeom>
+            <a:avLst/>
+            <a:gdLst>
+              <a:gd name="connsiteX0" fmla="*/ 0 w 200025"/>
+              <a:gd name="connsiteY0" fmla="*/ 159544 h 159544"/>
+              <a:gd name="connsiteX1" fmla="*/ 4763 w 200025"/>
+              <a:gd name="connsiteY1" fmla="*/ 0 h 159544"/>
+              <a:gd name="connsiteX2" fmla="*/ 85725 w 200025"/>
+              <a:gd name="connsiteY2" fmla="*/ 11906 h 159544"/>
+              <a:gd name="connsiteX3" fmla="*/ 102394 w 200025"/>
+              <a:gd name="connsiteY3" fmla="*/ 38100 h 159544"/>
+              <a:gd name="connsiteX4" fmla="*/ 192882 w 200025"/>
+              <a:gd name="connsiteY4" fmla="*/ 38100 h 159544"/>
+              <a:gd name="connsiteX5" fmla="*/ 200025 w 200025"/>
+              <a:gd name="connsiteY5" fmla="*/ 157162 h 159544"/>
+              <a:gd name="connsiteX6" fmla="*/ 0 w 200025"/>
+              <a:gd name="connsiteY6" fmla="*/ 159544 h 159544"/>
+            </a:gdLst>
+            <a:ahLst/>
+            <a:cxnLst>
+              <a:cxn ang="0">
+                <a:pos x="connsiteX0" y="connsiteY0"/>
+              </a:cxn>
+              <a:cxn ang="0">
+                <a:pos x="connsiteX1" y="connsiteY1"/>
+              </a:cxn>
+              <a:cxn ang="0">
+                <a:pos x="connsiteX2" y="connsiteY2"/>
+              </a:cxn>
+              <a:cxn ang="0">
+                <a:pos x="connsiteX3" y="connsiteY3"/>
+              </a:cxn>
+              <a:cxn ang="0">
+                <a:pos x="connsiteX4" y="connsiteY4"/>
+              </a:cxn>
+              <a:cxn ang="0">
+                <a:pos x="connsiteX5" y="connsiteY5"/>
+              </a:cxn>
+              <a:cxn ang="0">
+                <a:pos x="connsiteX6" y="connsiteY6"/>
+              </a:cxn>
+            </a:cxnLst>
+            <a:rect l="l" t="t" r="r" b="b"/>
+            <a:pathLst>
+              <a:path w="200025" h="159544">
+                <a:moveTo>
+                  <a:pt x="0" y="159544"/>
+                </a:moveTo>
+                <a:lnTo>
+                  <a:pt x="4763" y="0"/>
+                </a:lnTo>
+                <a:lnTo>
+                  <a:pt x="85725" y="11906"/>
+                </a:lnTo>
+                <a:lnTo>
+                  <a:pt x="102394" y="38100"/>
+                </a:lnTo>
+                <a:lnTo>
+                  <a:pt x="192882" y="38100"/>
+                </a:lnTo>
+                <a:lnTo>
+                  <a:pt x="200025" y="157162"/>
+                </a:lnTo>
+                <a:lnTo>
+                  <a:pt x="0" y="159544"/>
+                </a:lnTo>
+                <a:close/>
+              </a:path>
+            </a:pathLst>
+          </a:custGeom>
+          <a:solidFill>
+            <a:schemeClr val="bg1"/>
+          </a:solidFill>
+          <a:ln>
+            <a:solidFill>
+              <a:schemeClr val="bg1"/>
+            </a:solidFill>
+          </a:ln>
+        </p:spPr>
+        <p:style>
+          <a:lnRef idx="2">
+            <a:schemeClr val="accent1">
+              <a:shade val="50000"/>
+            </a:schemeClr>
+          </a:lnRef>
+          <a:fillRef idx="1">
+            <a:schemeClr val="accent1"/>
+          </a:fillRef>
+          <a:effectRef idx="0">
+            <a:schemeClr val="accent1"/>
+          </a:effectRef>
+          <a:fontRef idx="minor">
+            <a:schemeClr val="lt1"/>
+          </a:fontRef>
+        </p:style>
+        <p:txBody>
+          <a:bodyPr rtlCol="0" anchor="ctr"/>
+          <a:lstStyle/>
+          <a:p>
+            <a:pPr algn="ctr"/>
+            <a:endParaRPr lang="en-US"/>
+          </a:p>
+        </p:txBody>
+      </p:sp>
+      <p:sp>
+        <p:nvSpPr>
+          <p:cNvPr id="7" name="Flowchart: Internal Storage 6"/>
+          <p:cNvSpPr/>
+          <p:nvPr/>
+        </p:nvSpPr>
+        <p:spPr>
+          <a:xfrm>
+            <a:off x="2585142" y="2609469"/>
+            <a:ext cx="237744" cy="219456"/>
+          </a:xfrm>
+          <a:prstGeom prst="flowChartInternalStorage">
+            <a:avLst/>
+          </a:prstGeom>
+          <a:solidFill>
+            <a:srgbClr val="E1E1E1"/>
+          </a:solidFill>
+          <a:ln w="3175">
+            <a:solidFill>
+              <a:srgbClr val="E1E1E1"/>
+            </a:solidFill>
+          </a:ln>
+        </p:spPr>
+        <p:style>
+          <a:lnRef idx="2">
+            <a:schemeClr val="accent1">
+              <a:shade val="50000"/>
+            </a:schemeClr>
+          </a:lnRef>
+          <a:fillRef idx="1">
+            <a:schemeClr val="accent1"/>
+          </a:fillRef>
+          <a:effectRef idx="0">
+            <a:schemeClr val="accent1"/>
+          </a:effectRef>
+          <a:fontRef idx="minor">
+            <a:schemeClr val="lt1"/>
+          </a:fontRef>
+        </p:style>
+        <p:txBody>
+          <a:bodyPr rtlCol="0" anchor="ctr"/>
+          <a:lstStyle/>
+          <a:p>
+            <a:pPr algn="ctr"/>
+            <a:endParaRPr lang="en-US" sz="900" b="1" dirty="0">
+              <a:ln w="12700">
+                <a:solidFill>
+                  <a:schemeClr val="accent1"/>
+                </a:solidFill>
+                <a:prstDash val="solid"/>
+              </a:ln>
+              <a:pattFill prst="pct50">
+                <a:fgClr>
+                  <a:schemeClr val="accent1"/>
+                </a:fgClr>
+                <a:bgClr>
+                  <a:schemeClr val="accent1">
+                    <a:lumMod val="20000"/>
+                    <a:lumOff val="80000"/>
+                  </a:schemeClr>
+                </a:bgClr>
+              </a:pattFill>
+              <a:effectLst>
+                <a:outerShdw dist="38100" dir="2640000" algn="bl" rotWithShape="0">
+                  <a:schemeClr val="accent1"/>
+                </a:outerShdw>
+              </a:effectLst>
+            </a:endParaRPr>
+          </a:p>
+        </p:txBody>
+      </p:sp>
+      <p:cxnSp>
+        <p:nvCxnSpPr>
+          <p:cNvPr id="31" name="Straight Connector 30"/>
+          <p:cNvCxnSpPr>
+            <a:stCxn id="7" idx="2"/>
+            <a:endCxn id="7" idx="2"/>
+          </p:cNvCxnSpPr>
+          <p:nvPr/>
+        </p:nvCxnSpPr>
+        <p:spPr>
+          <a:xfrm>
+            <a:off x="2704014" y="2828925"/>
+            <a:ext cx="0" cy="0"/>
+          </a:xfrm>
+          <a:prstGeom prst="line">
+            <a:avLst/>
+          </a:prstGeom>
+        </p:spPr>
+        <p:style>
+          <a:lnRef idx="2">
+            <a:schemeClr val="accent2"/>
+          </a:lnRef>
+          <a:fillRef idx="0">
+            <a:schemeClr val="accent2"/>
+          </a:fillRef>
+          <a:effectRef idx="1">
+            <a:schemeClr val="accent2"/>
+          </a:effectRef>
+          <a:fontRef idx="minor">
+            <a:schemeClr val="tx1"/>
+          </a:fontRef>
+        </p:style>
+      </p:cxnSp>
+      <p:cxnSp>
+        <p:nvCxnSpPr>
+          <p:cNvPr id="35" name="Straight Connector 34"/>
+          <p:cNvCxnSpPr>
+            <a:stCxn id="7" idx="3"/>
+            <a:endCxn id="7" idx="3"/>
+          </p:cNvCxnSpPr>
+          <p:nvPr/>
+        </p:nvCxnSpPr>
+        <p:spPr>
+          <a:xfrm>
+            <a:off x="2822886" y="2719197"/>
+            <a:ext cx="0" cy="0"/>
+          </a:xfrm>
+          <a:prstGeom prst="line">
+            <a:avLst/>
+          </a:prstGeom>
+        </p:spPr>
+        <p:style>
+          <a:lnRef idx="2">
+            <a:schemeClr val="accent2"/>
+          </a:lnRef>
+          <a:fillRef idx="0">
+            <a:schemeClr val="accent2"/>
+          </a:fillRef>
+          <a:effectRef idx="1">
+            <a:schemeClr val="accent2"/>
+          </a:effectRef>
+          <a:fontRef idx="minor">
+            <a:schemeClr val="tx1"/>
+          </a:fontRef>
+        </p:style>
+      </p:cxnSp>
+      <p:sp>
+        <p:nvSpPr>
+          <p:cNvPr id="1054" name="Rectangle 1053"/>
+          <p:cNvSpPr/>
+          <p:nvPr/>
+        </p:nvSpPr>
+        <p:spPr>
+          <a:xfrm>
+            <a:off x="2592838" y="2616422"/>
+            <a:ext cx="222351" cy="206269"/>
+          </a:xfrm>
+          <a:prstGeom prst="rect">
+            <a:avLst/>
+          </a:prstGeom>
+          <a:solidFill>
+            <a:schemeClr val="bg1"/>
+          </a:solidFill>
+        </p:spPr>
+        <p:style>
+          <a:lnRef idx="2">
+            <a:schemeClr val="accent1">
+              <a:shade val="50000"/>
+            </a:schemeClr>
+          </a:lnRef>
+          <a:fillRef idx="1">
+            <a:schemeClr val="accent1"/>
+          </a:fillRef>
+          <a:effectRef idx="0">
+            <a:schemeClr val="accent1"/>
+          </a:effectRef>
+          <a:fontRef idx="minor">
+            <a:schemeClr val="lt1"/>
+          </a:fontRef>
+        </p:style>
+        <p:txBody>
+          <a:bodyPr rtlCol="0" anchor="ctr"/>
+          <a:lstStyle/>
+          <a:p>
+            <a:pPr algn="ctr"/>
+            <a:endParaRPr lang="en-US"/>
+          </a:p>
+        </p:txBody>
+      </p:sp>
       <p:pic>
         <p:nvPicPr>
           <p:cNvPr id="3" name="Picture 2"/>
@@ -3004,157 +3370,13 @@
       </p:pic>
       <p:sp>
         <p:nvSpPr>
-          <p:cNvPr id="5" name="Flowchart: Internal Storage 4"/>
-          <p:cNvSpPr/>
-          <p:nvPr/>
-        </p:nvSpPr>
-        <p:spPr>
-          <a:xfrm>
-            <a:off x="1234821" y="2429755"/>
-            <a:ext cx="146304" cy="142047"/>
-          </a:xfrm>
-          <a:prstGeom prst="flowChartInternalStorage">
-            <a:avLst/>
-          </a:prstGeom>
-          <a:solidFill>
-            <a:schemeClr val="bg1"/>
-          </a:solidFill>
-          <a:ln w="3175"/>
-        </p:spPr>
-        <p:style>
-          <a:lnRef idx="2">
-            <a:schemeClr val="accent1">
-              <a:shade val="50000"/>
-            </a:schemeClr>
-          </a:lnRef>
-          <a:fillRef idx="1">
-            <a:schemeClr val="accent1"/>
-          </a:fillRef>
-          <a:effectRef idx="0">
-            <a:schemeClr val="accent1"/>
-          </a:effectRef>
-          <a:fontRef idx="minor">
-            <a:schemeClr val="lt1"/>
-          </a:fontRef>
-        </p:style>
-        <p:txBody>
-          <a:bodyPr rtlCol="0" anchor="ctr"/>
-          <a:lstStyle/>
-          <a:p>
-            <a:pPr algn="ctr"/>
-            <a:endParaRPr lang="en-US"/>
-          </a:p>
-        </p:txBody>
-      </p:sp>
-      <p:grpSp>
-        <p:nvGrpSpPr>
-          <p:cNvPr id="10" name="Group 9"/>
-          <p:cNvGrpSpPr/>
-          <p:nvPr/>
-        </p:nvGrpSpPr>
-        <p:grpSpPr>
-          <a:xfrm>
-            <a:off x="934789" y="2571802"/>
-            <a:ext cx="150016" cy="146034"/>
-            <a:chOff x="934789" y="2571802"/>
-            <a:chExt cx="150016" cy="146034"/>
-          </a:xfrm>
-        </p:grpSpPr>
-        <p:sp>
-          <p:nvSpPr>
-            <p:cNvPr id="7" name="Flowchart: Internal Storage 6"/>
-            <p:cNvSpPr/>
-            <p:nvPr/>
-          </p:nvSpPr>
-          <p:spPr>
-            <a:xfrm>
-              <a:off x="938501" y="2571802"/>
-              <a:ext cx="146304" cy="142047"/>
-            </a:xfrm>
-            <a:prstGeom prst="flowChartInternalStorage">
-              <a:avLst/>
-            </a:prstGeom>
-            <a:solidFill>
-              <a:srgbClr val="E1E1E1"/>
-            </a:solidFill>
-            <a:ln w="3175">
-              <a:solidFill>
-                <a:srgbClr val="E1E1E1"/>
-              </a:solidFill>
-            </a:ln>
-          </p:spPr>
-          <p:style>
-            <a:lnRef idx="2">
-              <a:schemeClr val="accent1">
-                <a:shade val="50000"/>
-              </a:schemeClr>
-            </a:lnRef>
-            <a:fillRef idx="1">
-              <a:schemeClr val="accent1"/>
-            </a:fillRef>
-            <a:effectRef idx="0">
-              <a:schemeClr val="accent1"/>
-            </a:effectRef>
-            <a:fontRef idx="minor">
-              <a:schemeClr val="lt1"/>
-            </a:fontRef>
-          </p:style>
-          <p:txBody>
-            <a:bodyPr rtlCol="0" anchor="ctr"/>
-            <a:lstStyle/>
-            <a:p>
-              <a:pPr algn="ctr"/>
-              <a:endParaRPr lang="en-US"/>
-            </a:p>
-          </p:txBody>
-        </p:sp>
-        <p:pic>
-          <p:nvPicPr>
-            <p:cNvPr id="2" name="Picture 1"/>
-            <p:cNvPicPr>
-              <a:picLocks noChangeAspect="1"/>
-            </p:cNvPicPr>
-            <p:nvPr/>
-          </p:nvPicPr>
-          <p:blipFill rotWithShape="1">
-            <a:blip r:embed="rId3">
-              <a:clrChange>
-                <a:clrFrom>
-                  <a:srgbClr val="E1E1E1"/>
-                </a:clrFrom>
-                <a:clrTo>
-                  <a:srgbClr val="E1E1E1">
-                    <a:alpha val="0"/>
-                  </a:srgbClr>
-                </a:clrTo>
-              </a:clrChange>
-            </a:blip>
-            <a:srcRect l="12516" t="12975"/>
-            <a:stretch/>
-          </p:blipFill>
-          <p:spPr>
-            <a:xfrm>
-              <a:off x="934789" y="2575789"/>
-              <a:ext cx="150016" cy="142047"/>
-            </a:xfrm>
-            <a:prstGeom prst="rect">
-              <a:avLst/>
-            </a:prstGeom>
-            <a:ln>
-              <a:noFill/>
-            </a:ln>
-          </p:spPr>
-        </p:pic>
-      </p:grpSp>
-      <p:sp>
-        <p:nvSpPr>
           <p:cNvPr id="9" name="Flowchart: Internal Storage 8"/>
           <p:cNvSpPr/>
           <p:nvPr/>
         </p:nvSpPr>
         <p:spPr>
           <a:xfrm>
-            <a:off x="1593345" y="2358731"/>
+            <a:off x="1214770" y="2374106"/>
             <a:ext cx="146304" cy="142047"/>
           </a:xfrm>
           <a:prstGeom prst="flowChartInternalStorage">
@@ -3641,6 +3863,230 @@
           </p:txBody>
         </p:sp>
       </p:grpSp>
+      <p:sp>
+        <p:nvSpPr>
+          <p:cNvPr id="5" name="Flowchart: Internal Storage 4"/>
+          <p:cNvSpPr/>
+          <p:nvPr/>
+        </p:nvSpPr>
+        <p:spPr>
+          <a:xfrm>
+            <a:off x="1803078" y="2618994"/>
+            <a:ext cx="237744" cy="219456"/>
+          </a:xfrm>
+          <a:prstGeom prst="flowChartInternalStorage">
+            <a:avLst/>
+          </a:prstGeom>
+          <a:ln/>
+        </p:spPr>
+        <p:style>
+          <a:lnRef idx="2">
+            <a:schemeClr val="accent6"/>
+          </a:lnRef>
+          <a:fillRef idx="1">
+            <a:schemeClr val="lt1"/>
+          </a:fillRef>
+          <a:effectRef idx="0">
+            <a:schemeClr val="accent6"/>
+          </a:effectRef>
+          <a:fontRef idx="minor">
+            <a:schemeClr val="dk1"/>
+          </a:fontRef>
+        </p:style>
+        <p:txBody>
+          <a:bodyPr rtlCol="0" anchor="ctr"/>
+          <a:lstStyle/>
+          <a:p>
+            <a:pPr algn="ctr"/>
+            <a:endParaRPr lang="en-US"/>
+          </a:p>
+        </p:txBody>
+      </p:sp>
+      <p:cxnSp>
+        <p:nvCxnSpPr>
+          <p:cNvPr id="1042" name="Straight Connector 1041"/>
+          <p:cNvCxnSpPr>
+            <a:stCxn id="7" idx="0"/>
+            <a:endCxn id="7" idx="0"/>
+          </p:cNvCxnSpPr>
+          <p:nvPr/>
+        </p:nvCxnSpPr>
+        <p:spPr>
+          <a:xfrm>
+            <a:off x="2704014" y="2609469"/>
+            <a:ext cx="0" cy="0"/>
+          </a:xfrm>
+          <a:prstGeom prst="line">
+            <a:avLst/>
+          </a:prstGeom>
+        </p:spPr>
+        <p:style>
+          <a:lnRef idx="1">
+            <a:schemeClr val="accent1"/>
+          </a:lnRef>
+          <a:fillRef idx="0">
+            <a:schemeClr val="accent1"/>
+          </a:fillRef>
+          <a:effectRef idx="0">
+            <a:schemeClr val="accent1"/>
+          </a:effectRef>
+          <a:fontRef idx="minor">
+            <a:schemeClr val="tx1"/>
+          </a:fontRef>
+        </p:style>
+      </p:cxnSp>
+      <p:sp>
+        <p:nvSpPr>
+          <p:cNvPr id="62" name="Plus 61"/>
+          <p:cNvSpPr/>
+          <p:nvPr/>
+        </p:nvSpPr>
+        <p:spPr>
+          <a:xfrm>
+            <a:off x="2571682" y="2603235"/>
+            <a:ext cx="264662" cy="235215"/>
+          </a:xfrm>
+          <a:prstGeom prst="mathPlus">
+            <a:avLst>
+              <a:gd name="adj1" fmla="val 3110"/>
+            </a:avLst>
+          </a:prstGeom>
+          <a:solidFill>
+            <a:srgbClr val="C00000"/>
+          </a:solidFill>
+          <a:ln w="3175">
+            <a:solidFill>
+              <a:srgbClr val="FF0000"/>
+            </a:solidFill>
+          </a:ln>
+        </p:spPr>
+        <p:style>
+          <a:lnRef idx="2">
+            <a:schemeClr val="accent1">
+              <a:shade val="50000"/>
+            </a:schemeClr>
+          </a:lnRef>
+          <a:fillRef idx="1">
+            <a:schemeClr val="accent1"/>
+          </a:fillRef>
+          <a:effectRef idx="0">
+            <a:schemeClr val="accent1"/>
+          </a:effectRef>
+          <a:fontRef idx="minor">
+            <a:schemeClr val="lt1"/>
+          </a:fontRef>
+        </p:style>
+        <p:txBody>
+          <a:bodyPr rtlCol="0" anchor="ctr"/>
+          <a:lstStyle/>
+          <a:p>
+            <a:pPr algn="ctr"/>
+            <a:endParaRPr lang="en-US" b="1">
+              <a:ln w="22225">
+                <a:solidFill>
+                  <a:schemeClr val="accent2"/>
+                </a:solidFill>
+                <a:prstDash val="solid"/>
+              </a:ln>
+              <a:solidFill>
+                <a:schemeClr val="accent2">
+                  <a:lumMod val="40000"/>
+                  <a:lumOff val="60000"/>
+                </a:schemeClr>
+              </a:solidFill>
+            </a:endParaRPr>
+          </a:p>
+        </p:txBody>
+      </p:sp>
+      <p:sp>
+        <p:nvSpPr>
+          <p:cNvPr id="1052" name="Plus 1051"/>
+          <p:cNvSpPr/>
+          <p:nvPr/>
+        </p:nvSpPr>
+        <p:spPr>
+          <a:xfrm>
+            <a:off x="1182708" y="2666788"/>
+            <a:ext cx="143304" cy="140857"/>
+          </a:xfrm>
+          <a:prstGeom prst="mathPlus">
+            <a:avLst>
+              <a:gd name="adj1" fmla="val 6536"/>
+            </a:avLst>
+          </a:prstGeom>
+          <a:ln w="3175"/>
+        </p:spPr>
+        <p:style>
+          <a:lnRef idx="2">
+            <a:schemeClr val="accent3">
+              <a:shade val="50000"/>
+            </a:schemeClr>
+          </a:lnRef>
+          <a:fillRef idx="1">
+            <a:schemeClr val="accent3"/>
+          </a:fillRef>
+          <a:effectRef idx="0">
+            <a:schemeClr val="accent3"/>
+          </a:effectRef>
+          <a:fontRef idx="minor">
+            <a:schemeClr val="lt1"/>
+          </a:fontRef>
+        </p:style>
+        <p:txBody>
+          <a:bodyPr rtlCol="0" anchor="ctr"/>
+          <a:lstStyle/>
+          <a:p>
+            <a:pPr algn="ctr"/>
+            <a:endParaRPr lang="en-US"/>
+          </a:p>
+        </p:txBody>
+      </p:sp>
+      <p:pic>
+        <p:nvPicPr>
+          <p:cNvPr id="68" name="Picture 6" descr="Image result for folder icon"/>
+          <p:cNvPicPr>
+            <a:picLocks noChangeAspect="1" noChangeArrowheads="1"/>
+          </p:cNvPicPr>
+          <p:nvPr/>
+        </p:nvPicPr>
+        <p:blipFill rotWithShape="1">
+          <a:blip r:embed="rId3" cstate="print">
+            <a:duotone>
+              <a:schemeClr val="accent4">
+                <a:shade val="45000"/>
+                <a:satMod val="135000"/>
+              </a:schemeClr>
+              <a:prstClr val="white"/>
+            </a:duotone>
+            <a:extLst>
+              <a:ext uri="{28A0092B-C50C-407E-A947-70E740481C1C}">
+                <a14:useLocalDpi xmlns:a14="http://schemas.microsoft.com/office/drawing/2010/main" val="0"/>
+              </a:ext>
+            </a:extLst>
+          </a:blip>
+          <a:srcRect l="3208" t="10265" r="2480" b="11100"/>
+          <a:stretch/>
+        </p:blipFill>
+        <p:spPr bwMode="auto">
+          <a:xfrm>
+            <a:off x="1169194" y="2626518"/>
+            <a:ext cx="223837" cy="202407"/>
+          </a:xfrm>
+          <a:prstGeom prst="rect">
+            <a:avLst/>
+          </a:prstGeom>
+          <a:noFill/>
+          <a:extLst>
+            <a:ext uri="{909E8E84-426E-40DD-AFC4-6F175D3DCCD1}">
+              <a14:hiddenFill xmlns:a14="http://schemas.microsoft.com/office/drawing/2010/main">
+                <a:solidFill>
+                  <a:srgbClr val="FFFFFF"/>
+                </a:solidFill>
+              </a14:hiddenFill>
+            </a:ext>
+          </a:extLst>
+        </p:spPr>
+      </p:pic>
     </p:spTree>
     <p:extLst>
       <p:ext uri="{BB962C8B-B14F-4D97-AF65-F5344CB8AC3E}">

--- a/icons.pptx
+++ b/icons.pptx
@@ -155,10 +155,9 @@
           </a:lstStyle>
           <a:p>
             <a:r>
-              <a:rPr lang="en-US" smtClean="0"/>
+              <a:rPr lang="en-US"/>
               <a:t>Click to edit Master title style</a:t>
             </a:r>
-            <a:endParaRPr lang="en-US"/>
           </a:p>
         </p:txBody>
       </p:sp>
@@ -220,10 +219,9 @@
           </a:lstStyle>
           <a:p>
             <a:r>
-              <a:rPr lang="en-US" smtClean="0"/>
+              <a:rPr lang="en-US"/>
               <a:t>Click to edit Master subtitle style</a:t>
             </a:r>
-            <a:endParaRPr lang="en-US"/>
           </a:p>
         </p:txBody>
       </p:sp>
@@ -244,7 +242,7 @@
           <a:p>
             <a:fld id="{9A2BE455-E8D0-4C4B-98A5-80B321B7C859}" type="datetimeFigureOut">
               <a:rPr lang="en-US" smtClean="0"/>
-              <a:t>3/29/2019</a:t>
+              <a:t>6/1/2019</a:t>
             </a:fld>
             <a:endParaRPr lang="en-US"/>
           </a:p>
@@ -338,10 +336,9 @@
           <a:lstStyle/>
           <a:p>
             <a:r>
-              <a:rPr lang="en-US" smtClean="0"/>
+              <a:rPr lang="en-US"/>
               <a:t>Click to edit Master title style</a:t>
             </a:r>
-            <a:endParaRPr lang="en-US"/>
           </a:p>
         </p:txBody>
       </p:sp>
@@ -362,38 +359,37 @@
           <a:p>
             <a:pPr lvl="0"/>
             <a:r>
-              <a:rPr lang="en-US" smtClean="0"/>
+              <a:rPr lang="en-US"/>
               <a:t>Edit Master text styles</a:t>
             </a:r>
           </a:p>
           <a:p>
             <a:pPr lvl="1"/>
             <a:r>
-              <a:rPr lang="en-US" smtClean="0"/>
+              <a:rPr lang="en-US"/>
               <a:t>Second level</a:t>
             </a:r>
           </a:p>
           <a:p>
             <a:pPr lvl="2"/>
             <a:r>
-              <a:rPr lang="en-US" smtClean="0"/>
+              <a:rPr lang="en-US"/>
               <a:t>Third level</a:t>
             </a:r>
           </a:p>
           <a:p>
             <a:pPr lvl="3"/>
             <a:r>
-              <a:rPr lang="en-US" smtClean="0"/>
+              <a:rPr lang="en-US"/>
               <a:t>Fourth level</a:t>
             </a:r>
           </a:p>
           <a:p>
             <a:pPr lvl="4"/>
             <a:r>
-              <a:rPr lang="en-US" smtClean="0"/>
+              <a:rPr lang="en-US"/>
               <a:t>Fifth level</a:t>
             </a:r>
-            <a:endParaRPr lang="en-US"/>
           </a:p>
         </p:txBody>
       </p:sp>
@@ -414,7 +410,7 @@
           <a:p>
             <a:fld id="{9A2BE455-E8D0-4C4B-98A5-80B321B7C859}" type="datetimeFigureOut">
               <a:rPr lang="en-US" smtClean="0"/>
-              <a:t>3/29/2019</a:t>
+              <a:t>6/1/2019</a:t>
             </a:fld>
             <a:endParaRPr lang="en-US"/>
           </a:p>
@@ -513,10 +509,9 @@
           <a:lstStyle/>
           <a:p>
             <a:r>
-              <a:rPr lang="en-US" smtClean="0"/>
+              <a:rPr lang="en-US"/>
               <a:t>Click to edit Master title style</a:t>
             </a:r>
-            <a:endParaRPr lang="en-US"/>
           </a:p>
         </p:txBody>
       </p:sp>
@@ -542,38 +537,37 @@
           <a:p>
             <a:pPr lvl="0"/>
             <a:r>
-              <a:rPr lang="en-US" smtClean="0"/>
+              <a:rPr lang="en-US"/>
               <a:t>Edit Master text styles</a:t>
             </a:r>
           </a:p>
           <a:p>
             <a:pPr lvl="1"/>
             <a:r>
-              <a:rPr lang="en-US" smtClean="0"/>
+              <a:rPr lang="en-US"/>
               <a:t>Second level</a:t>
             </a:r>
           </a:p>
           <a:p>
             <a:pPr lvl="2"/>
             <a:r>
-              <a:rPr lang="en-US" smtClean="0"/>
+              <a:rPr lang="en-US"/>
               <a:t>Third level</a:t>
             </a:r>
           </a:p>
           <a:p>
             <a:pPr lvl="3"/>
             <a:r>
-              <a:rPr lang="en-US" smtClean="0"/>
+              <a:rPr lang="en-US"/>
               <a:t>Fourth level</a:t>
             </a:r>
           </a:p>
           <a:p>
             <a:pPr lvl="4"/>
             <a:r>
-              <a:rPr lang="en-US" smtClean="0"/>
+              <a:rPr lang="en-US"/>
               <a:t>Fifth level</a:t>
             </a:r>
-            <a:endParaRPr lang="en-US"/>
           </a:p>
         </p:txBody>
       </p:sp>
@@ -594,7 +588,7 @@
           <a:p>
             <a:fld id="{9A2BE455-E8D0-4C4B-98A5-80B321B7C859}" type="datetimeFigureOut">
               <a:rPr lang="en-US" smtClean="0"/>
-              <a:t>3/29/2019</a:t>
+              <a:t>6/1/2019</a:t>
             </a:fld>
             <a:endParaRPr lang="en-US"/>
           </a:p>
@@ -688,10 +682,9 @@
           <a:lstStyle/>
           <a:p>
             <a:r>
-              <a:rPr lang="en-US" smtClean="0"/>
+              <a:rPr lang="en-US"/>
               <a:t>Click to edit Master title style</a:t>
             </a:r>
-            <a:endParaRPr lang="en-US"/>
           </a:p>
         </p:txBody>
       </p:sp>
@@ -712,38 +705,37 @@
           <a:p>
             <a:pPr lvl="0"/>
             <a:r>
-              <a:rPr lang="en-US" smtClean="0"/>
+              <a:rPr lang="en-US"/>
               <a:t>Edit Master text styles</a:t>
             </a:r>
           </a:p>
           <a:p>
             <a:pPr lvl="1"/>
             <a:r>
-              <a:rPr lang="en-US" smtClean="0"/>
+              <a:rPr lang="en-US"/>
               <a:t>Second level</a:t>
             </a:r>
           </a:p>
           <a:p>
             <a:pPr lvl="2"/>
             <a:r>
-              <a:rPr lang="en-US" smtClean="0"/>
+              <a:rPr lang="en-US"/>
               <a:t>Third level</a:t>
             </a:r>
           </a:p>
           <a:p>
             <a:pPr lvl="3"/>
             <a:r>
-              <a:rPr lang="en-US" smtClean="0"/>
+              <a:rPr lang="en-US"/>
               <a:t>Fourth level</a:t>
             </a:r>
           </a:p>
           <a:p>
             <a:pPr lvl="4"/>
             <a:r>
-              <a:rPr lang="en-US" smtClean="0"/>
+              <a:rPr lang="en-US"/>
               <a:t>Fifth level</a:t>
             </a:r>
-            <a:endParaRPr lang="en-US"/>
           </a:p>
         </p:txBody>
       </p:sp>
@@ -764,7 +756,7 @@
           <a:p>
             <a:fld id="{9A2BE455-E8D0-4C4B-98A5-80B321B7C859}" type="datetimeFigureOut">
               <a:rPr lang="en-US" smtClean="0"/>
-              <a:t>3/29/2019</a:t>
+              <a:t>6/1/2019</a:t>
             </a:fld>
             <a:endParaRPr lang="en-US"/>
           </a:p>
@@ -867,10 +859,9 @@
           </a:lstStyle>
           <a:p>
             <a:r>
-              <a:rPr lang="en-US" smtClean="0"/>
+              <a:rPr lang="en-US"/>
               <a:t>Click to edit Master title style</a:t>
             </a:r>
-            <a:endParaRPr lang="en-US"/>
           </a:p>
         </p:txBody>
       </p:sp>
@@ -987,7 +978,7 @@
           <a:p>
             <a:pPr lvl="0"/>
             <a:r>
-              <a:rPr lang="en-US" smtClean="0"/>
+              <a:rPr lang="en-US"/>
               <a:t>Edit Master text styles</a:t>
             </a:r>
           </a:p>
@@ -1010,7 +1001,7 @@
           <a:p>
             <a:fld id="{9A2BE455-E8D0-4C4B-98A5-80B321B7C859}" type="datetimeFigureOut">
               <a:rPr lang="en-US" smtClean="0"/>
-              <a:t>3/29/2019</a:t>
+              <a:t>6/1/2019</a:t>
             </a:fld>
             <a:endParaRPr lang="en-US"/>
           </a:p>
@@ -1104,10 +1095,9 @@
           <a:lstStyle/>
           <a:p>
             <a:r>
-              <a:rPr lang="en-US" smtClean="0"/>
+              <a:rPr lang="en-US"/>
               <a:t>Click to edit Master title style</a:t>
             </a:r>
-            <a:endParaRPr lang="en-US"/>
           </a:p>
         </p:txBody>
       </p:sp>
@@ -1133,38 +1123,37 @@
           <a:p>
             <a:pPr lvl="0"/>
             <a:r>
-              <a:rPr lang="en-US" smtClean="0"/>
+              <a:rPr lang="en-US"/>
               <a:t>Edit Master text styles</a:t>
             </a:r>
           </a:p>
           <a:p>
             <a:pPr lvl="1"/>
             <a:r>
-              <a:rPr lang="en-US" smtClean="0"/>
+              <a:rPr lang="en-US"/>
               <a:t>Second level</a:t>
             </a:r>
           </a:p>
           <a:p>
             <a:pPr lvl="2"/>
             <a:r>
-              <a:rPr lang="en-US" smtClean="0"/>
+              <a:rPr lang="en-US"/>
               <a:t>Third level</a:t>
             </a:r>
           </a:p>
           <a:p>
             <a:pPr lvl="3"/>
             <a:r>
-              <a:rPr lang="en-US" smtClean="0"/>
+              <a:rPr lang="en-US"/>
               <a:t>Fourth level</a:t>
             </a:r>
           </a:p>
           <a:p>
             <a:pPr lvl="4"/>
             <a:r>
-              <a:rPr lang="en-US" smtClean="0"/>
+              <a:rPr lang="en-US"/>
               <a:t>Fifth level</a:t>
             </a:r>
-            <a:endParaRPr lang="en-US"/>
           </a:p>
         </p:txBody>
       </p:sp>
@@ -1190,38 +1179,37 @@
           <a:p>
             <a:pPr lvl="0"/>
             <a:r>
-              <a:rPr lang="en-US" smtClean="0"/>
+              <a:rPr lang="en-US"/>
               <a:t>Edit Master text styles</a:t>
             </a:r>
           </a:p>
           <a:p>
             <a:pPr lvl="1"/>
             <a:r>
-              <a:rPr lang="en-US" smtClean="0"/>
+              <a:rPr lang="en-US"/>
               <a:t>Second level</a:t>
             </a:r>
           </a:p>
           <a:p>
             <a:pPr lvl="2"/>
             <a:r>
-              <a:rPr lang="en-US" smtClean="0"/>
+              <a:rPr lang="en-US"/>
               <a:t>Third level</a:t>
             </a:r>
           </a:p>
           <a:p>
             <a:pPr lvl="3"/>
             <a:r>
-              <a:rPr lang="en-US" smtClean="0"/>
+              <a:rPr lang="en-US"/>
               <a:t>Fourth level</a:t>
             </a:r>
           </a:p>
           <a:p>
             <a:pPr lvl="4"/>
             <a:r>
-              <a:rPr lang="en-US" smtClean="0"/>
+              <a:rPr lang="en-US"/>
               <a:t>Fifth level</a:t>
             </a:r>
-            <a:endParaRPr lang="en-US"/>
           </a:p>
         </p:txBody>
       </p:sp>
@@ -1242,7 +1230,7 @@
           <a:p>
             <a:fld id="{9A2BE455-E8D0-4C4B-98A5-80B321B7C859}" type="datetimeFigureOut">
               <a:rPr lang="en-US" smtClean="0"/>
-              <a:t>3/29/2019</a:t>
+              <a:t>6/1/2019</a:t>
             </a:fld>
             <a:endParaRPr lang="en-US"/>
           </a:p>
@@ -1341,10 +1329,9 @@
           <a:lstStyle/>
           <a:p>
             <a:r>
-              <a:rPr lang="en-US" smtClean="0"/>
+              <a:rPr lang="en-US"/>
               <a:t>Click to edit Master title style</a:t>
             </a:r>
-            <a:endParaRPr lang="en-US"/>
           </a:p>
         </p:txBody>
       </p:sp>
@@ -1407,7 +1394,7 @@
           <a:p>
             <a:pPr lvl="0"/>
             <a:r>
-              <a:rPr lang="en-US" smtClean="0"/>
+              <a:rPr lang="en-US"/>
               <a:t>Edit Master text styles</a:t>
             </a:r>
           </a:p>
@@ -1435,38 +1422,37 @@
           <a:p>
             <a:pPr lvl="0"/>
             <a:r>
-              <a:rPr lang="en-US" smtClean="0"/>
+              <a:rPr lang="en-US"/>
               <a:t>Edit Master text styles</a:t>
             </a:r>
           </a:p>
           <a:p>
             <a:pPr lvl="1"/>
             <a:r>
-              <a:rPr lang="en-US" smtClean="0"/>
+              <a:rPr lang="en-US"/>
               <a:t>Second level</a:t>
             </a:r>
           </a:p>
           <a:p>
             <a:pPr lvl="2"/>
             <a:r>
-              <a:rPr lang="en-US" smtClean="0"/>
+              <a:rPr lang="en-US"/>
               <a:t>Third level</a:t>
             </a:r>
           </a:p>
           <a:p>
             <a:pPr lvl="3"/>
             <a:r>
-              <a:rPr lang="en-US" smtClean="0"/>
+              <a:rPr lang="en-US"/>
               <a:t>Fourth level</a:t>
             </a:r>
           </a:p>
           <a:p>
             <a:pPr lvl="4"/>
             <a:r>
-              <a:rPr lang="en-US" smtClean="0"/>
+              <a:rPr lang="en-US"/>
               <a:t>Fifth level</a:t>
             </a:r>
-            <a:endParaRPr lang="en-US"/>
           </a:p>
         </p:txBody>
       </p:sp>
@@ -1529,7 +1515,7 @@
           <a:p>
             <a:pPr lvl="0"/>
             <a:r>
-              <a:rPr lang="en-US" smtClean="0"/>
+              <a:rPr lang="en-US"/>
               <a:t>Edit Master text styles</a:t>
             </a:r>
           </a:p>
@@ -1557,38 +1543,37 @@
           <a:p>
             <a:pPr lvl="0"/>
             <a:r>
-              <a:rPr lang="en-US" smtClean="0"/>
+              <a:rPr lang="en-US"/>
               <a:t>Edit Master text styles</a:t>
             </a:r>
           </a:p>
           <a:p>
             <a:pPr lvl="1"/>
             <a:r>
-              <a:rPr lang="en-US" smtClean="0"/>
+              <a:rPr lang="en-US"/>
               <a:t>Second level</a:t>
             </a:r>
           </a:p>
           <a:p>
             <a:pPr lvl="2"/>
             <a:r>
-              <a:rPr lang="en-US" smtClean="0"/>
+              <a:rPr lang="en-US"/>
               <a:t>Third level</a:t>
             </a:r>
           </a:p>
           <a:p>
             <a:pPr lvl="3"/>
             <a:r>
-              <a:rPr lang="en-US" smtClean="0"/>
+              <a:rPr lang="en-US"/>
               <a:t>Fourth level</a:t>
             </a:r>
           </a:p>
           <a:p>
             <a:pPr lvl="4"/>
             <a:r>
-              <a:rPr lang="en-US" smtClean="0"/>
+              <a:rPr lang="en-US"/>
               <a:t>Fifth level</a:t>
             </a:r>
-            <a:endParaRPr lang="en-US"/>
           </a:p>
         </p:txBody>
       </p:sp>
@@ -1609,7 +1594,7 @@
           <a:p>
             <a:fld id="{9A2BE455-E8D0-4C4B-98A5-80B321B7C859}" type="datetimeFigureOut">
               <a:rPr lang="en-US" smtClean="0"/>
-              <a:t>3/29/2019</a:t>
+              <a:t>6/1/2019</a:t>
             </a:fld>
             <a:endParaRPr lang="en-US"/>
           </a:p>
@@ -1703,10 +1688,9 @@
           <a:lstStyle/>
           <a:p>
             <a:r>
-              <a:rPr lang="en-US" smtClean="0"/>
+              <a:rPr lang="en-US"/>
               <a:t>Click to edit Master title style</a:t>
             </a:r>
-            <a:endParaRPr lang="en-US"/>
           </a:p>
         </p:txBody>
       </p:sp>
@@ -1727,7 +1711,7 @@
           <a:p>
             <a:fld id="{9A2BE455-E8D0-4C4B-98A5-80B321B7C859}" type="datetimeFigureOut">
               <a:rPr lang="en-US" smtClean="0"/>
-              <a:t>3/29/2019</a:t>
+              <a:t>6/1/2019</a:t>
             </a:fld>
             <a:endParaRPr lang="en-US"/>
           </a:p>
@@ -1822,7 +1806,7 @@
           <a:p>
             <a:fld id="{9A2BE455-E8D0-4C4B-98A5-80B321B7C859}" type="datetimeFigureOut">
               <a:rPr lang="en-US" smtClean="0"/>
-              <a:t>3/29/2019</a:t>
+              <a:t>6/1/2019</a:t>
             </a:fld>
             <a:endParaRPr lang="en-US"/>
           </a:p>
@@ -1925,10 +1909,9 @@
           </a:lstStyle>
           <a:p>
             <a:r>
-              <a:rPr lang="en-US" smtClean="0"/>
+              <a:rPr lang="en-US"/>
               <a:t>Click to edit Master title style</a:t>
             </a:r>
-            <a:endParaRPr lang="en-US"/>
           </a:p>
         </p:txBody>
       </p:sp>
@@ -1982,38 +1965,37 @@
           <a:p>
             <a:pPr lvl="0"/>
             <a:r>
-              <a:rPr lang="en-US" smtClean="0"/>
+              <a:rPr lang="en-US"/>
               <a:t>Edit Master text styles</a:t>
             </a:r>
           </a:p>
           <a:p>
             <a:pPr lvl="1"/>
             <a:r>
-              <a:rPr lang="en-US" smtClean="0"/>
+              <a:rPr lang="en-US"/>
               <a:t>Second level</a:t>
             </a:r>
           </a:p>
           <a:p>
             <a:pPr lvl="2"/>
             <a:r>
-              <a:rPr lang="en-US" smtClean="0"/>
+              <a:rPr lang="en-US"/>
               <a:t>Third level</a:t>
             </a:r>
           </a:p>
           <a:p>
             <a:pPr lvl="3"/>
             <a:r>
-              <a:rPr lang="en-US" smtClean="0"/>
+              <a:rPr lang="en-US"/>
               <a:t>Fourth level</a:t>
             </a:r>
           </a:p>
           <a:p>
             <a:pPr lvl="4"/>
             <a:r>
-              <a:rPr lang="en-US" smtClean="0"/>
+              <a:rPr lang="en-US"/>
               <a:t>Fifth level</a:t>
             </a:r>
-            <a:endParaRPr lang="en-US"/>
           </a:p>
         </p:txBody>
       </p:sp>
@@ -2076,7 +2058,7 @@
           <a:p>
             <a:pPr lvl="0"/>
             <a:r>
-              <a:rPr lang="en-US" smtClean="0"/>
+              <a:rPr lang="en-US"/>
               <a:t>Edit Master text styles</a:t>
             </a:r>
           </a:p>
@@ -2099,7 +2081,7 @@
           <a:p>
             <a:fld id="{9A2BE455-E8D0-4C4B-98A5-80B321B7C859}" type="datetimeFigureOut">
               <a:rPr lang="en-US" smtClean="0"/>
-              <a:t>3/29/2019</a:t>
+              <a:t>6/1/2019</a:t>
             </a:fld>
             <a:endParaRPr lang="en-US"/>
           </a:p>
@@ -2202,10 +2184,9 @@
           </a:lstStyle>
           <a:p>
             <a:r>
-              <a:rPr lang="en-US" smtClean="0"/>
+              <a:rPr lang="en-US"/>
               <a:t>Click to edit Master title style</a:t>
             </a:r>
-            <a:endParaRPr lang="en-US"/>
           </a:p>
         </p:txBody>
       </p:sp>
@@ -2329,7 +2310,7 @@
           <a:p>
             <a:pPr lvl="0"/>
             <a:r>
-              <a:rPr lang="en-US" smtClean="0"/>
+              <a:rPr lang="en-US"/>
               <a:t>Edit Master text styles</a:t>
             </a:r>
           </a:p>
@@ -2352,7 +2333,7 @@
           <a:p>
             <a:fld id="{9A2BE455-E8D0-4C4B-98A5-80B321B7C859}" type="datetimeFigureOut">
               <a:rPr lang="en-US" smtClean="0"/>
-              <a:t>3/29/2019</a:t>
+              <a:t>6/1/2019</a:t>
             </a:fld>
             <a:endParaRPr lang="en-US"/>
           </a:p>
@@ -2461,10 +2442,9 @@
           <a:lstStyle/>
           <a:p>
             <a:r>
-              <a:rPr lang="en-US" smtClean="0"/>
+              <a:rPr lang="en-US"/>
               <a:t>Click to edit Master title style</a:t>
             </a:r>
-            <a:endParaRPr lang="en-US"/>
           </a:p>
         </p:txBody>
       </p:sp>
@@ -2495,38 +2475,37 @@
           <a:p>
             <a:pPr lvl="0"/>
             <a:r>
-              <a:rPr lang="en-US" smtClean="0"/>
+              <a:rPr lang="en-US"/>
               <a:t>Edit Master text styles</a:t>
             </a:r>
           </a:p>
           <a:p>
             <a:pPr lvl="1"/>
             <a:r>
-              <a:rPr lang="en-US" smtClean="0"/>
+              <a:rPr lang="en-US"/>
               <a:t>Second level</a:t>
             </a:r>
           </a:p>
           <a:p>
             <a:pPr lvl="2"/>
             <a:r>
-              <a:rPr lang="en-US" smtClean="0"/>
+              <a:rPr lang="en-US"/>
               <a:t>Third level</a:t>
             </a:r>
           </a:p>
           <a:p>
             <a:pPr lvl="3"/>
             <a:r>
-              <a:rPr lang="en-US" smtClean="0"/>
+              <a:rPr lang="en-US"/>
               <a:t>Fourth level</a:t>
             </a:r>
           </a:p>
           <a:p>
             <a:pPr lvl="4"/>
             <a:r>
-              <a:rPr lang="en-US" smtClean="0"/>
+              <a:rPr lang="en-US"/>
               <a:t>Fifth level</a:t>
             </a:r>
-            <a:endParaRPr lang="en-US"/>
           </a:p>
         </p:txBody>
       </p:sp>
@@ -2565,7 +2544,7 @@
           <a:p>
             <a:fld id="{9A2BE455-E8D0-4C4B-98A5-80B321B7C859}" type="datetimeFigureOut">
               <a:rPr lang="en-US" smtClean="0"/>
-              <a:t>3/29/2019</a:t>
+              <a:t>6/1/2019</a:t>
             </a:fld>
             <a:endParaRPr lang="en-US"/>
           </a:p>
@@ -4087,6 +4066,775 @@
           </a:extLst>
         </p:spPr>
       </p:pic>
+      <p:sp>
+        <p:nvSpPr>
+          <p:cNvPr id="28" name="Freeform: Shape 27">
+            <a:extLst>
+              <a:ext uri="{FF2B5EF4-FFF2-40B4-BE49-F238E27FC236}">
+                <a16:creationId xmlns:a16="http://schemas.microsoft.com/office/drawing/2014/main" id="{C6006A6F-AA57-4858-9374-F7C746D4A0EF}"/>
+              </a:ext>
+            </a:extLst>
+          </p:cNvPr>
+          <p:cNvSpPr/>
+          <p:nvPr/>
+        </p:nvSpPr>
+        <p:spPr>
+          <a:xfrm>
+            <a:off x="3087834" y="2775870"/>
+            <a:ext cx="153543" cy="198120"/>
+          </a:xfrm>
+          <a:custGeom>
+            <a:avLst/>
+            <a:gdLst>
+              <a:gd name="connsiteX0" fmla="*/ 14859 w 153543"/>
+              <a:gd name="connsiteY0" fmla="*/ 14859 h 198120"/>
+              <a:gd name="connsiteX1" fmla="*/ 138684 w 153543"/>
+              <a:gd name="connsiteY1" fmla="*/ 14859 h 198120"/>
+              <a:gd name="connsiteX2" fmla="*/ 138684 w 153543"/>
+              <a:gd name="connsiteY2" fmla="*/ 183261 h 198120"/>
+              <a:gd name="connsiteX3" fmla="*/ 14859 w 153543"/>
+              <a:gd name="connsiteY3" fmla="*/ 183261 h 198120"/>
+              <a:gd name="connsiteX4" fmla="*/ 14859 w 153543"/>
+              <a:gd name="connsiteY4" fmla="*/ 14859 h 198120"/>
+              <a:gd name="connsiteX5" fmla="*/ 0 w 153543"/>
+              <a:gd name="connsiteY5" fmla="*/ 198120 h 198120"/>
+              <a:gd name="connsiteX6" fmla="*/ 153543 w 153543"/>
+              <a:gd name="connsiteY6" fmla="*/ 198120 h 198120"/>
+              <a:gd name="connsiteX7" fmla="*/ 153543 w 153543"/>
+              <a:gd name="connsiteY7" fmla="*/ 0 h 198120"/>
+              <a:gd name="connsiteX8" fmla="*/ 0 w 153543"/>
+              <a:gd name="connsiteY8" fmla="*/ 0 h 198120"/>
+              <a:gd name="connsiteX9" fmla="*/ 0 w 153543"/>
+              <a:gd name="connsiteY9" fmla="*/ 198120 h 198120"/>
+            </a:gdLst>
+            <a:ahLst/>
+            <a:cxnLst>
+              <a:cxn ang="0">
+                <a:pos x="connsiteX0" y="connsiteY0"/>
+              </a:cxn>
+              <a:cxn ang="0">
+                <a:pos x="connsiteX1" y="connsiteY1"/>
+              </a:cxn>
+              <a:cxn ang="0">
+                <a:pos x="connsiteX2" y="connsiteY2"/>
+              </a:cxn>
+              <a:cxn ang="0">
+                <a:pos x="connsiteX3" y="connsiteY3"/>
+              </a:cxn>
+              <a:cxn ang="0">
+                <a:pos x="connsiteX4" y="connsiteY4"/>
+              </a:cxn>
+              <a:cxn ang="0">
+                <a:pos x="connsiteX5" y="connsiteY5"/>
+              </a:cxn>
+              <a:cxn ang="0">
+                <a:pos x="connsiteX6" y="connsiteY6"/>
+              </a:cxn>
+              <a:cxn ang="0">
+                <a:pos x="connsiteX7" y="connsiteY7"/>
+              </a:cxn>
+              <a:cxn ang="0">
+                <a:pos x="connsiteX8" y="connsiteY8"/>
+              </a:cxn>
+              <a:cxn ang="0">
+                <a:pos x="connsiteX9" y="connsiteY9"/>
+              </a:cxn>
+            </a:cxnLst>
+            <a:rect l="l" t="t" r="r" b="b"/>
+            <a:pathLst>
+              <a:path w="153543" h="198120">
+                <a:moveTo>
+                  <a:pt x="14859" y="14859"/>
+                </a:moveTo>
+                <a:lnTo>
+                  <a:pt x="138684" y="14859"/>
+                </a:lnTo>
+                <a:lnTo>
+                  <a:pt x="138684" y="183261"/>
+                </a:lnTo>
+                <a:lnTo>
+                  <a:pt x="14859" y="183261"/>
+                </a:lnTo>
+                <a:lnTo>
+                  <a:pt x="14859" y="14859"/>
+                </a:lnTo>
+                <a:close/>
+                <a:moveTo>
+                  <a:pt x="0" y="198120"/>
+                </a:moveTo>
+                <a:lnTo>
+                  <a:pt x="153543" y="198120"/>
+                </a:lnTo>
+                <a:lnTo>
+                  <a:pt x="153543" y="0"/>
+                </a:lnTo>
+                <a:lnTo>
+                  <a:pt x="0" y="0"/>
+                </a:lnTo>
+                <a:lnTo>
+                  <a:pt x="0" y="198120"/>
+                </a:lnTo>
+                <a:close/>
+              </a:path>
+            </a:pathLst>
+          </a:custGeom>
+          <a:solidFill>
+            <a:srgbClr val="000000"/>
+          </a:solidFill>
+          <a:ln w="2381" cap="flat">
+            <a:noFill/>
+            <a:prstDash val="solid"/>
+            <a:miter/>
+          </a:ln>
+        </p:spPr>
+        <p:txBody>
+          <a:bodyPr rtlCol="0" anchor="ctr"/>
+          <a:lstStyle/>
+          <a:p>
+            <a:endParaRPr lang="en-US"/>
+          </a:p>
+        </p:txBody>
+      </p:sp>
+      <p:sp>
+        <p:nvSpPr>
+          <p:cNvPr id="29" name="Freeform: Shape 28">
+            <a:extLst>
+              <a:ext uri="{FF2B5EF4-FFF2-40B4-BE49-F238E27FC236}">
+                <a16:creationId xmlns:a16="http://schemas.microsoft.com/office/drawing/2014/main" id="{2CD54E5A-46ED-43E8-AE36-A8AC08A05492}"/>
+              </a:ext>
+            </a:extLst>
+          </p:cNvPr>
+          <p:cNvSpPr/>
+          <p:nvPr/>
+        </p:nvSpPr>
+        <p:spPr>
+          <a:xfrm>
+            <a:off x="3120028" y="2805588"/>
+            <a:ext cx="19812" cy="19812"/>
+          </a:xfrm>
+          <a:custGeom>
+            <a:avLst/>
+            <a:gdLst>
+              <a:gd name="connsiteX0" fmla="*/ 0 w 19812"/>
+              <a:gd name="connsiteY0" fmla="*/ 0 h 19812"/>
+              <a:gd name="connsiteX1" fmla="*/ 19812 w 19812"/>
+              <a:gd name="connsiteY1" fmla="*/ 0 h 19812"/>
+              <a:gd name="connsiteX2" fmla="*/ 19812 w 19812"/>
+              <a:gd name="connsiteY2" fmla="*/ 19812 h 19812"/>
+              <a:gd name="connsiteX3" fmla="*/ 0 w 19812"/>
+              <a:gd name="connsiteY3" fmla="*/ 19812 h 19812"/>
+            </a:gdLst>
+            <a:ahLst/>
+            <a:cxnLst>
+              <a:cxn ang="0">
+                <a:pos x="connsiteX0" y="connsiteY0"/>
+              </a:cxn>
+              <a:cxn ang="0">
+                <a:pos x="connsiteX1" y="connsiteY1"/>
+              </a:cxn>
+              <a:cxn ang="0">
+                <a:pos x="connsiteX2" y="connsiteY2"/>
+              </a:cxn>
+              <a:cxn ang="0">
+                <a:pos x="connsiteX3" y="connsiteY3"/>
+              </a:cxn>
+            </a:cxnLst>
+            <a:rect l="l" t="t" r="r" b="b"/>
+            <a:pathLst>
+              <a:path w="19812" h="19812">
+                <a:moveTo>
+                  <a:pt x="0" y="0"/>
+                </a:moveTo>
+                <a:lnTo>
+                  <a:pt x="19812" y="0"/>
+                </a:lnTo>
+                <a:lnTo>
+                  <a:pt x="19812" y="19812"/>
+                </a:lnTo>
+                <a:lnTo>
+                  <a:pt x="0" y="19812"/>
+                </a:lnTo>
+                <a:close/>
+              </a:path>
+            </a:pathLst>
+          </a:custGeom>
+          <a:solidFill>
+            <a:srgbClr val="000000"/>
+          </a:solidFill>
+          <a:ln w="2381" cap="flat">
+            <a:noFill/>
+            <a:prstDash val="solid"/>
+            <a:miter/>
+          </a:ln>
+        </p:spPr>
+        <p:txBody>
+          <a:bodyPr rtlCol="0" anchor="ctr"/>
+          <a:lstStyle/>
+          <a:p>
+            <a:endParaRPr lang="en-US"/>
+          </a:p>
+        </p:txBody>
+      </p:sp>
+      <p:sp>
+        <p:nvSpPr>
+          <p:cNvPr id="32" name="Freeform: Shape 31">
+            <a:extLst>
+              <a:ext uri="{FF2B5EF4-FFF2-40B4-BE49-F238E27FC236}">
+                <a16:creationId xmlns:a16="http://schemas.microsoft.com/office/drawing/2014/main" id="{031CE2EF-F070-463A-AA90-C707A807F0C5}"/>
+              </a:ext>
+            </a:extLst>
+          </p:cNvPr>
+          <p:cNvSpPr/>
+          <p:nvPr/>
+        </p:nvSpPr>
+        <p:spPr>
+          <a:xfrm>
+            <a:off x="3159652" y="2810541"/>
+            <a:ext cx="49530" cy="9906"/>
+          </a:xfrm>
+          <a:custGeom>
+            <a:avLst/>
+            <a:gdLst>
+              <a:gd name="connsiteX0" fmla="*/ 0 w 49530"/>
+              <a:gd name="connsiteY0" fmla="*/ 0 h 9906"/>
+              <a:gd name="connsiteX1" fmla="*/ 49530 w 49530"/>
+              <a:gd name="connsiteY1" fmla="*/ 0 h 9906"/>
+              <a:gd name="connsiteX2" fmla="*/ 49530 w 49530"/>
+              <a:gd name="connsiteY2" fmla="*/ 9906 h 9906"/>
+              <a:gd name="connsiteX3" fmla="*/ 0 w 49530"/>
+              <a:gd name="connsiteY3" fmla="*/ 9906 h 9906"/>
+            </a:gdLst>
+            <a:ahLst/>
+            <a:cxnLst>
+              <a:cxn ang="0">
+                <a:pos x="connsiteX0" y="connsiteY0"/>
+              </a:cxn>
+              <a:cxn ang="0">
+                <a:pos x="connsiteX1" y="connsiteY1"/>
+              </a:cxn>
+              <a:cxn ang="0">
+                <a:pos x="connsiteX2" y="connsiteY2"/>
+              </a:cxn>
+              <a:cxn ang="0">
+                <a:pos x="connsiteX3" y="connsiteY3"/>
+              </a:cxn>
+            </a:cxnLst>
+            <a:rect l="l" t="t" r="r" b="b"/>
+            <a:pathLst>
+              <a:path w="49530" h="9906">
+                <a:moveTo>
+                  <a:pt x="0" y="0"/>
+                </a:moveTo>
+                <a:lnTo>
+                  <a:pt x="49530" y="0"/>
+                </a:lnTo>
+                <a:lnTo>
+                  <a:pt x="49530" y="9906"/>
+                </a:lnTo>
+                <a:lnTo>
+                  <a:pt x="0" y="9906"/>
+                </a:lnTo>
+                <a:close/>
+              </a:path>
+            </a:pathLst>
+          </a:custGeom>
+          <a:solidFill>
+            <a:srgbClr val="000000"/>
+          </a:solidFill>
+          <a:ln w="2381" cap="flat">
+            <a:noFill/>
+            <a:prstDash val="solid"/>
+            <a:miter/>
+          </a:ln>
+        </p:spPr>
+        <p:txBody>
+          <a:bodyPr rtlCol="0" anchor="ctr"/>
+          <a:lstStyle/>
+          <a:p>
+            <a:endParaRPr lang="en-US"/>
+          </a:p>
+        </p:txBody>
+      </p:sp>
+      <p:sp>
+        <p:nvSpPr>
+          <p:cNvPr id="34" name="Freeform: Shape 33">
+            <a:extLst>
+              <a:ext uri="{FF2B5EF4-FFF2-40B4-BE49-F238E27FC236}">
+                <a16:creationId xmlns:a16="http://schemas.microsoft.com/office/drawing/2014/main" id="{299E9493-9D6E-44E8-8CF4-C13E0AF0EC9C}"/>
+              </a:ext>
+            </a:extLst>
+          </p:cNvPr>
+          <p:cNvSpPr/>
+          <p:nvPr/>
+        </p:nvSpPr>
+        <p:spPr>
+          <a:xfrm>
+            <a:off x="3120028" y="2845212"/>
+            <a:ext cx="19812" cy="19812"/>
+          </a:xfrm>
+          <a:custGeom>
+            <a:avLst/>
+            <a:gdLst>
+              <a:gd name="connsiteX0" fmla="*/ 0 w 19812"/>
+              <a:gd name="connsiteY0" fmla="*/ 0 h 19812"/>
+              <a:gd name="connsiteX1" fmla="*/ 19812 w 19812"/>
+              <a:gd name="connsiteY1" fmla="*/ 0 h 19812"/>
+              <a:gd name="connsiteX2" fmla="*/ 19812 w 19812"/>
+              <a:gd name="connsiteY2" fmla="*/ 19812 h 19812"/>
+              <a:gd name="connsiteX3" fmla="*/ 0 w 19812"/>
+              <a:gd name="connsiteY3" fmla="*/ 19812 h 19812"/>
+            </a:gdLst>
+            <a:ahLst/>
+            <a:cxnLst>
+              <a:cxn ang="0">
+                <a:pos x="connsiteX0" y="connsiteY0"/>
+              </a:cxn>
+              <a:cxn ang="0">
+                <a:pos x="connsiteX1" y="connsiteY1"/>
+              </a:cxn>
+              <a:cxn ang="0">
+                <a:pos x="connsiteX2" y="connsiteY2"/>
+              </a:cxn>
+              <a:cxn ang="0">
+                <a:pos x="connsiteX3" y="connsiteY3"/>
+              </a:cxn>
+            </a:cxnLst>
+            <a:rect l="l" t="t" r="r" b="b"/>
+            <a:pathLst>
+              <a:path w="19812" h="19812">
+                <a:moveTo>
+                  <a:pt x="0" y="0"/>
+                </a:moveTo>
+                <a:lnTo>
+                  <a:pt x="19812" y="0"/>
+                </a:lnTo>
+                <a:lnTo>
+                  <a:pt x="19812" y="19812"/>
+                </a:lnTo>
+                <a:lnTo>
+                  <a:pt x="0" y="19812"/>
+                </a:lnTo>
+                <a:close/>
+              </a:path>
+            </a:pathLst>
+          </a:custGeom>
+          <a:solidFill>
+            <a:srgbClr val="000000"/>
+          </a:solidFill>
+          <a:ln w="2381" cap="flat">
+            <a:noFill/>
+            <a:prstDash val="solid"/>
+            <a:miter/>
+          </a:ln>
+        </p:spPr>
+        <p:txBody>
+          <a:bodyPr rtlCol="0" anchor="ctr"/>
+          <a:lstStyle/>
+          <a:p>
+            <a:endParaRPr lang="en-US"/>
+          </a:p>
+        </p:txBody>
+      </p:sp>
+      <p:sp>
+        <p:nvSpPr>
+          <p:cNvPr id="36" name="Freeform: Shape 35">
+            <a:extLst>
+              <a:ext uri="{FF2B5EF4-FFF2-40B4-BE49-F238E27FC236}">
+                <a16:creationId xmlns:a16="http://schemas.microsoft.com/office/drawing/2014/main" id="{8BB47569-F201-475C-B963-290327059504}"/>
+              </a:ext>
+            </a:extLst>
+          </p:cNvPr>
+          <p:cNvSpPr/>
+          <p:nvPr/>
+        </p:nvSpPr>
+        <p:spPr>
+          <a:xfrm>
+            <a:off x="3159652" y="2850165"/>
+            <a:ext cx="49530" cy="9906"/>
+          </a:xfrm>
+          <a:custGeom>
+            <a:avLst/>
+            <a:gdLst>
+              <a:gd name="connsiteX0" fmla="*/ 0 w 49530"/>
+              <a:gd name="connsiteY0" fmla="*/ 0 h 9906"/>
+              <a:gd name="connsiteX1" fmla="*/ 49530 w 49530"/>
+              <a:gd name="connsiteY1" fmla="*/ 0 h 9906"/>
+              <a:gd name="connsiteX2" fmla="*/ 49530 w 49530"/>
+              <a:gd name="connsiteY2" fmla="*/ 9906 h 9906"/>
+              <a:gd name="connsiteX3" fmla="*/ 0 w 49530"/>
+              <a:gd name="connsiteY3" fmla="*/ 9906 h 9906"/>
+            </a:gdLst>
+            <a:ahLst/>
+            <a:cxnLst>
+              <a:cxn ang="0">
+                <a:pos x="connsiteX0" y="connsiteY0"/>
+              </a:cxn>
+              <a:cxn ang="0">
+                <a:pos x="connsiteX1" y="connsiteY1"/>
+              </a:cxn>
+              <a:cxn ang="0">
+                <a:pos x="connsiteX2" y="connsiteY2"/>
+              </a:cxn>
+              <a:cxn ang="0">
+                <a:pos x="connsiteX3" y="connsiteY3"/>
+              </a:cxn>
+            </a:cxnLst>
+            <a:rect l="l" t="t" r="r" b="b"/>
+            <a:pathLst>
+              <a:path w="49530" h="9906">
+                <a:moveTo>
+                  <a:pt x="0" y="0"/>
+                </a:moveTo>
+                <a:lnTo>
+                  <a:pt x="49530" y="0"/>
+                </a:lnTo>
+                <a:lnTo>
+                  <a:pt x="49530" y="9906"/>
+                </a:lnTo>
+                <a:lnTo>
+                  <a:pt x="0" y="9906"/>
+                </a:lnTo>
+                <a:close/>
+              </a:path>
+            </a:pathLst>
+          </a:custGeom>
+          <a:solidFill>
+            <a:srgbClr val="000000"/>
+          </a:solidFill>
+          <a:ln w="2381" cap="flat">
+            <a:noFill/>
+            <a:prstDash val="solid"/>
+            <a:miter/>
+          </a:ln>
+        </p:spPr>
+        <p:txBody>
+          <a:bodyPr rtlCol="0" anchor="ctr"/>
+          <a:lstStyle/>
+          <a:p>
+            <a:endParaRPr lang="en-US"/>
+          </a:p>
+        </p:txBody>
+      </p:sp>
+      <p:sp>
+        <p:nvSpPr>
+          <p:cNvPr id="37" name="Freeform: Shape 36">
+            <a:extLst>
+              <a:ext uri="{FF2B5EF4-FFF2-40B4-BE49-F238E27FC236}">
+                <a16:creationId xmlns:a16="http://schemas.microsoft.com/office/drawing/2014/main" id="{23524B65-A813-411E-991B-CE4A99B13896}"/>
+              </a:ext>
+            </a:extLst>
+          </p:cNvPr>
+          <p:cNvSpPr/>
+          <p:nvPr/>
+        </p:nvSpPr>
+        <p:spPr>
+          <a:xfrm>
+            <a:off x="3120028" y="2884836"/>
+            <a:ext cx="19812" cy="19812"/>
+          </a:xfrm>
+          <a:custGeom>
+            <a:avLst/>
+            <a:gdLst>
+              <a:gd name="connsiteX0" fmla="*/ 0 w 19812"/>
+              <a:gd name="connsiteY0" fmla="*/ 0 h 19812"/>
+              <a:gd name="connsiteX1" fmla="*/ 19812 w 19812"/>
+              <a:gd name="connsiteY1" fmla="*/ 0 h 19812"/>
+              <a:gd name="connsiteX2" fmla="*/ 19812 w 19812"/>
+              <a:gd name="connsiteY2" fmla="*/ 19812 h 19812"/>
+              <a:gd name="connsiteX3" fmla="*/ 0 w 19812"/>
+              <a:gd name="connsiteY3" fmla="*/ 19812 h 19812"/>
+            </a:gdLst>
+            <a:ahLst/>
+            <a:cxnLst>
+              <a:cxn ang="0">
+                <a:pos x="connsiteX0" y="connsiteY0"/>
+              </a:cxn>
+              <a:cxn ang="0">
+                <a:pos x="connsiteX1" y="connsiteY1"/>
+              </a:cxn>
+              <a:cxn ang="0">
+                <a:pos x="connsiteX2" y="connsiteY2"/>
+              </a:cxn>
+              <a:cxn ang="0">
+                <a:pos x="connsiteX3" y="connsiteY3"/>
+              </a:cxn>
+            </a:cxnLst>
+            <a:rect l="l" t="t" r="r" b="b"/>
+            <a:pathLst>
+              <a:path w="19812" h="19812">
+                <a:moveTo>
+                  <a:pt x="0" y="0"/>
+                </a:moveTo>
+                <a:lnTo>
+                  <a:pt x="19812" y="0"/>
+                </a:lnTo>
+                <a:lnTo>
+                  <a:pt x="19812" y="19812"/>
+                </a:lnTo>
+                <a:lnTo>
+                  <a:pt x="0" y="19812"/>
+                </a:lnTo>
+                <a:close/>
+              </a:path>
+            </a:pathLst>
+          </a:custGeom>
+          <a:solidFill>
+            <a:srgbClr val="000000"/>
+          </a:solidFill>
+          <a:ln w="2381" cap="flat">
+            <a:noFill/>
+            <a:prstDash val="solid"/>
+            <a:miter/>
+          </a:ln>
+        </p:spPr>
+        <p:txBody>
+          <a:bodyPr rtlCol="0" anchor="ctr"/>
+          <a:lstStyle/>
+          <a:p>
+            <a:endParaRPr lang="en-US"/>
+          </a:p>
+        </p:txBody>
+      </p:sp>
+      <p:sp>
+        <p:nvSpPr>
+          <p:cNvPr id="38" name="Freeform: Shape 37">
+            <a:extLst>
+              <a:ext uri="{FF2B5EF4-FFF2-40B4-BE49-F238E27FC236}">
+                <a16:creationId xmlns:a16="http://schemas.microsoft.com/office/drawing/2014/main" id="{DB373FAC-1AF0-43EA-9F56-8AD32BDCF484}"/>
+              </a:ext>
+            </a:extLst>
+          </p:cNvPr>
+          <p:cNvSpPr/>
+          <p:nvPr/>
+        </p:nvSpPr>
+        <p:spPr>
+          <a:xfrm>
+            <a:off x="3159652" y="2889789"/>
+            <a:ext cx="49530" cy="9906"/>
+          </a:xfrm>
+          <a:custGeom>
+            <a:avLst/>
+            <a:gdLst>
+              <a:gd name="connsiteX0" fmla="*/ 0 w 49530"/>
+              <a:gd name="connsiteY0" fmla="*/ 0 h 9906"/>
+              <a:gd name="connsiteX1" fmla="*/ 49530 w 49530"/>
+              <a:gd name="connsiteY1" fmla="*/ 0 h 9906"/>
+              <a:gd name="connsiteX2" fmla="*/ 49530 w 49530"/>
+              <a:gd name="connsiteY2" fmla="*/ 9906 h 9906"/>
+              <a:gd name="connsiteX3" fmla="*/ 0 w 49530"/>
+              <a:gd name="connsiteY3" fmla="*/ 9906 h 9906"/>
+            </a:gdLst>
+            <a:ahLst/>
+            <a:cxnLst>
+              <a:cxn ang="0">
+                <a:pos x="connsiteX0" y="connsiteY0"/>
+              </a:cxn>
+              <a:cxn ang="0">
+                <a:pos x="connsiteX1" y="connsiteY1"/>
+              </a:cxn>
+              <a:cxn ang="0">
+                <a:pos x="connsiteX2" y="connsiteY2"/>
+              </a:cxn>
+              <a:cxn ang="0">
+                <a:pos x="connsiteX3" y="connsiteY3"/>
+              </a:cxn>
+            </a:cxnLst>
+            <a:rect l="l" t="t" r="r" b="b"/>
+            <a:pathLst>
+              <a:path w="49530" h="9906">
+                <a:moveTo>
+                  <a:pt x="0" y="0"/>
+                </a:moveTo>
+                <a:lnTo>
+                  <a:pt x="49530" y="0"/>
+                </a:lnTo>
+                <a:lnTo>
+                  <a:pt x="49530" y="9906"/>
+                </a:lnTo>
+                <a:lnTo>
+                  <a:pt x="0" y="9906"/>
+                </a:lnTo>
+                <a:close/>
+              </a:path>
+            </a:pathLst>
+          </a:custGeom>
+          <a:solidFill>
+            <a:srgbClr val="000000"/>
+          </a:solidFill>
+          <a:ln w="2381" cap="flat">
+            <a:noFill/>
+            <a:prstDash val="solid"/>
+            <a:miter/>
+          </a:ln>
+        </p:spPr>
+        <p:txBody>
+          <a:bodyPr rtlCol="0" anchor="ctr"/>
+          <a:lstStyle/>
+          <a:p>
+            <a:endParaRPr lang="en-US"/>
+          </a:p>
+        </p:txBody>
+      </p:sp>
+      <p:sp>
+        <p:nvSpPr>
+          <p:cNvPr id="39" name="Freeform: Shape 38">
+            <a:extLst>
+              <a:ext uri="{FF2B5EF4-FFF2-40B4-BE49-F238E27FC236}">
+                <a16:creationId xmlns:a16="http://schemas.microsoft.com/office/drawing/2014/main" id="{157C288F-B84B-47D2-95F7-59A7A06D73D5}"/>
+              </a:ext>
+            </a:extLst>
+          </p:cNvPr>
+          <p:cNvSpPr/>
+          <p:nvPr/>
+        </p:nvSpPr>
+        <p:spPr>
+          <a:xfrm>
+            <a:off x="3120028" y="2924460"/>
+            <a:ext cx="19812" cy="19812"/>
+          </a:xfrm>
+          <a:custGeom>
+            <a:avLst/>
+            <a:gdLst>
+              <a:gd name="connsiteX0" fmla="*/ 0 w 19812"/>
+              <a:gd name="connsiteY0" fmla="*/ 0 h 19812"/>
+              <a:gd name="connsiteX1" fmla="*/ 19812 w 19812"/>
+              <a:gd name="connsiteY1" fmla="*/ 0 h 19812"/>
+              <a:gd name="connsiteX2" fmla="*/ 19812 w 19812"/>
+              <a:gd name="connsiteY2" fmla="*/ 19812 h 19812"/>
+              <a:gd name="connsiteX3" fmla="*/ 0 w 19812"/>
+              <a:gd name="connsiteY3" fmla="*/ 19812 h 19812"/>
+            </a:gdLst>
+            <a:ahLst/>
+            <a:cxnLst>
+              <a:cxn ang="0">
+                <a:pos x="connsiteX0" y="connsiteY0"/>
+              </a:cxn>
+              <a:cxn ang="0">
+                <a:pos x="connsiteX1" y="connsiteY1"/>
+              </a:cxn>
+              <a:cxn ang="0">
+                <a:pos x="connsiteX2" y="connsiteY2"/>
+              </a:cxn>
+              <a:cxn ang="0">
+                <a:pos x="connsiteX3" y="connsiteY3"/>
+              </a:cxn>
+            </a:cxnLst>
+            <a:rect l="l" t="t" r="r" b="b"/>
+            <a:pathLst>
+              <a:path w="19812" h="19812">
+                <a:moveTo>
+                  <a:pt x="0" y="0"/>
+                </a:moveTo>
+                <a:lnTo>
+                  <a:pt x="19812" y="0"/>
+                </a:lnTo>
+                <a:lnTo>
+                  <a:pt x="19812" y="19812"/>
+                </a:lnTo>
+                <a:lnTo>
+                  <a:pt x="0" y="19812"/>
+                </a:lnTo>
+                <a:close/>
+              </a:path>
+            </a:pathLst>
+          </a:custGeom>
+          <a:solidFill>
+            <a:srgbClr val="000000"/>
+          </a:solidFill>
+          <a:ln w="2381" cap="flat">
+            <a:noFill/>
+            <a:prstDash val="solid"/>
+            <a:miter/>
+          </a:ln>
+        </p:spPr>
+        <p:txBody>
+          <a:bodyPr rtlCol="0" anchor="ctr"/>
+          <a:lstStyle/>
+          <a:p>
+            <a:endParaRPr lang="en-US"/>
+          </a:p>
+        </p:txBody>
+      </p:sp>
+      <p:sp>
+        <p:nvSpPr>
+          <p:cNvPr id="40" name="Freeform: Shape 39">
+            <a:extLst>
+              <a:ext uri="{FF2B5EF4-FFF2-40B4-BE49-F238E27FC236}">
+                <a16:creationId xmlns:a16="http://schemas.microsoft.com/office/drawing/2014/main" id="{37B114A6-550D-4A4E-8ED6-D6DD045BBC04}"/>
+              </a:ext>
+            </a:extLst>
+          </p:cNvPr>
+          <p:cNvSpPr/>
+          <p:nvPr/>
+        </p:nvSpPr>
+        <p:spPr>
+          <a:xfrm>
+            <a:off x="3159652" y="2929413"/>
+            <a:ext cx="49530" cy="9906"/>
+          </a:xfrm>
+          <a:custGeom>
+            <a:avLst/>
+            <a:gdLst>
+              <a:gd name="connsiteX0" fmla="*/ 0 w 49530"/>
+              <a:gd name="connsiteY0" fmla="*/ 0 h 9906"/>
+              <a:gd name="connsiteX1" fmla="*/ 49530 w 49530"/>
+              <a:gd name="connsiteY1" fmla="*/ 0 h 9906"/>
+              <a:gd name="connsiteX2" fmla="*/ 49530 w 49530"/>
+              <a:gd name="connsiteY2" fmla="*/ 9906 h 9906"/>
+              <a:gd name="connsiteX3" fmla="*/ 0 w 49530"/>
+              <a:gd name="connsiteY3" fmla="*/ 9906 h 9906"/>
+            </a:gdLst>
+            <a:ahLst/>
+            <a:cxnLst>
+              <a:cxn ang="0">
+                <a:pos x="connsiteX0" y="connsiteY0"/>
+              </a:cxn>
+              <a:cxn ang="0">
+                <a:pos x="connsiteX1" y="connsiteY1"/>
+              </a:cxn>
+              <a:cxn ang="0">
+                <a:pos x="connsiteX2" y="connsiteY2"/>
+              </a:cxn>
+              <a:cxn ang="0">
+                <a:pos x="connsiteX3" y="connsiteY3"/>
+              </a:cxn>
+            </a:cxnLst>
+            <a:rect l="l" t="t" r="r" b="b"/>
+            <a:pathLst>
+              <a:path w="49530" h="9906">
+                <a:moveTo>
+                  <a:pt x="0" y="0"/>
+                </a:moveTo>
+                <a:lnTo>
+                  <a:pt x="49530" y="0"/>
+                </a:lnTo>
+                <a:lnTo>
+                  <a:pt x="49530" y="9906"/>
+                </a:lnTo>
+                <a:lnTo>
+                  <a:pt x="0" y="9906"/>
+                </a:lnTo>
+                <a:close/>
+              </a:path>
+            </a:pathLst>
+          </a:custGeom>
+          <a:solidFill>
+            <a:srgbClr val="000000"/>
+          </a:solidFill>
+          <a:ln w="2381" cap="flat">
+            <a:noFill/>
+            <a:prstDash val="solid"/>
+            <a:miter/>
+          </a:ln>
+        </p:spPr>
+        <p:txBody>
+          <a:bodyPr rtlCol="0" anchor="ctr"/>
+          <a:lstStyle/>
+          <a:p>
+            <a:endParaRPr lang="en-US"/>
+          </a:p>
+        </p:txBody>
+      </p:sp>
     </p:spTree>
     <p:extLst>
       <p:ext uri="{BB962C8B-B14F-4D97-AF65-F5344CB8AC3E}">
@@ -4097,13 +4845,6 @@
   <p:clrMapOvr>
     <a:masterClrMapping/>
   </p:clrMapOvr>
-  <p:timing>
-    <p:tnLst>
-      <p:par>
-        <p:cTn id="1" dur="indefinite" restart="never" nodeType="tmRoot"/>
-      </p:par>
-    </p:tnLst>
-  </p:timing>
 </p:sld>
 </file>
 
@@ -4172,13 +4913,6 @@
   <p:clrMapOvr>
     <a:masterClrMapping/>
   </p:clrMapOvr>
-  <p:timing>
-    <p:tnLst>
-      <p:par>
-        <p:cTn id="1" dur="indefinite" restart="never" nodeType="tmRoot"/>
-      </p:par>
-    </p:tnLst>
-  </p:timing>
 </p:sld>
 </file>
 
